--- a/Delivery documents/The Expanse - presentation_slides (delivery2).pptx
+++ b/Delivery documents/The Expanse - presentation_slides (delivery2).pptx
@@ -12,8 +12,8 @@
     <p:sldId id="256" r:id="rId3"/>
     <p:sldId id="257" r:id="rId4"/>
     <p:sldId id="258" r:id="rId5"/>
-    <p:sldId id="260" r:id="rId6"/>
-    <p:sldId id="259" r:id="rId7"/>
+    <p:sldId id="259" r:id="rId6"/>
+    <p:sldId id="260" r:id="rId7"/>
     <p:sldId id="280" r:id="rId8"/>
     <p:sldId id="281" r:id="rId9"/>
     <p:sldId id="278" r:id="rId10"/>
@@ -254,7 +254,7 @@
       <p15:sldGuideLst xmlns:p15="http://schemas.microsoft.com/office/powerpoint/2012/main"/>
     </p:ext>
     <p:ext uri="http://customooxmlschemas.google.com/">
-      <go:slidesCustomData xmlns="" xmlns:mc="http://schemas.openxmlformats.org/markup-compatibility/2006" xmlns:mv="urn:schemas-microsoft-com:mac:vml" xmlns:c="http://schemas.openxmlformats.org/drawingml/2006/chart" xmlns:dgm="http://schemas.openxmlformats.org/drawingml/2006/diagram" xmlns:o="urn:schemas-microsoft-com:office:office" xmlns:v="urn:schemas-microsoft-com:vml" xmlns:pvml="urn:schemas-microsoft-com:office:powerpoint" xmlns:com="http://schemas.openxmlformats.org/drawingml/2006/compatibility" xmlns:p14="http://schemas.microsoft.com/office/powerpoint/2010/main" xmlns:p15="http://schemas.microsoft.com/office/powerpoint/2012/main" xmlns:ahyp="http://schemas.microsoft.com/office/drawing/2018/hyperlinkcolor" xmlns:go="http://customooxmlschemas.google.com/" r:id="rId29" roundtripDataSignature="AMtx7mg7s5HLCnTYzcXxlCuANuK4m8LOHw=="/>
+      <go:slidesCustomData xmlns:go="http://customooxmlschemas.google.com/" xmlns:ahyp="http://schemas.microsoft.com/office/drawing/2018/hyperlinkcolor" xmlns:p15="http://schemas.microsoft.com/office/powerpoint/2012/main" xmlns:p14="http://schemas.microsoft.com/office/powerpoint/2010/main" xmlns:com="http://schemas.openxmlformats.org/drawingml/2006/compatibility" xmlns:pvml="urn:schemas-microsoft-com:office:powerpoint" xmlns:v="urn:schemas-microsoft-com:vml" xmlns:o="urn:schemas-microsoft-com:office:office" xmlns:dgm="http://schemas.openxmlformats.org/drawingml/2006/diagram" xmlns:c="http://schemas.openxmlformats.org/drawingml/2006/chart" xmlns:mv="urn:schemas-microsoft-com:mac:vml" xmlns:mc="http://schemas.openxmlformats.org/markup-compatibility/2006" xmlns="" r:id="rId29" roundtripDataSignature="AMtx7mg7s5HLCnTYzcXxlCuANuK4m8LOHw=="/>
     </p:ext>
   </p:extLst>
 </p:presentation>
@@ -264,6 +264,7 @@
 <p1510:revInfo xmlns:a="http://schemas.openxmlformats.org/drawingml/2006/main" xmlns:r="http://schemas.openxmlformats.org/officeDocument/2006/relationships" xmlns:p1510="http://schemas.microsoft.com/office/powerpoint/2015/10/main">
   <p1510:revLst>
     <p1510:client id="{32AE3C4C-62D2-425C-89A7-C1A0DE04540E}" v="14" dt="2021-05-24T16:31:33.161"/>
+    <p1510:client id="{F9B15951-820F-4CB1-89B9-303E5CB9E38F}" v="2" dt="2021-05-24T17:26:10.764"/>
   </p1510:revLst>
 </p1510:revInfo>
 </file>
@@ -796,6 +797,37 @@
       </pc:sldMasterChg>
     </pc:docChg>
   </pc:docChgLst>
+  <pc:docChgLst>
+    <pc:chgData name="Leon Micheel-Sprenger" userId="440aabbe9c31f745" providerId="LiveId" clId="{F9B15951-820F-4CB1-89B9-303E5CB9E38F}"/>
+    <pc:docChg chg="undo custSel modSld sldOrd">
+      <pc:chgData name="Leon Micheel-Sprenger" userId="440aabbe9c31f745" providerId="LiveId" clId="{F9B15951-820F-4CB1-89B9-303E5CB9E38F}" dt="2021-05-24T17:27:17.636" v="11" actId="478"/>
+      <pc:docMkLst>
+        <pc:docMk/>
+      </pc:docMkLst>
+      <pc:sldChg chg="addSp delSp modSp mod ord">
+        <pc:chgData name="Leon Micheel-Sprenger" userId="440aabbe9c31f745" providerId="LiveId" clId="{F9B15951-820F-4CB1-89B9-303E5CB9E38F}" dt="2021-05-24T17:27:17.636" v="11" actId="478"/>
+        <pc:sldMkLst>
+          <pc:docMk/>
+          <pc:sldMk cId="0" sldId="259"/>
+        </pc:sldMkLst>
+        <pc:picChg chg="add del mod ord">
+          <ac:chgData name="Leon Micheel-Sprenger" userId="440aabbe9c31f745" providerId="LiveId" clId="{F9B15951-820F-4CB1-89B9-303E5CB9E38F}" dt="2021-05-24T17:27:17.636" v="11" actId="478"/>
+          <ac:picMkLst>
+            <pc:docMk/>
+            <pc:sldMk cId="0" sldId="259"/>
+            <ac:picMk id="2" creationId="{9E2C9206-5730-4E8C-A2ED-C35A705886CA}"/>
+          </ac:picMkLst>
+        </pc:picChg>
+      </pc:sldChg>
+      <pc:sldChg chg="modNotesTx">
+        <pc:chgData name="Leon Micheel-Sprenger" userId="440aabbe9c31f745" providerId="LiveId" clId="{F9B15951-820F-4CB1-89B9-303E5CB9E38F}" dt="2021-05-24T17:21:56.112" v="0"/>
+        <pc:sldMkLst>
+          <pc:docMk/>
+          <pc:sldMk cId="264499960" sldId="281"/>
+        </pc:sldMkLst>
+      </pc:sldChg>
+    </pc:docChg>
+  </pc:docChgLst>
 </pc:chgInfo>
 </file>
 
@@ -2623,7 +2655,7 @@
   <p:cSld>
     <p:spTree>
       <p:nvGrpSpPr>
-        <p:cNvPr id="1" name="Shape 122"/>
+        <p:cNvPr id="1" name="Shape 115"/>
         <p:cNvGrpSpPr/>
         <p:nvPr/>
       </p:nvGrpSpPr>
@@ -2637,7 +2669,7 @@
       </p:grpSpPr>
       <p:sp>
         <p:nvSpPr>
-          <p:cNvPr id="123" name="Google Shape;123;p29:notes"/>
+          <p:cNvPr id="116" name="Google Shape;116;p10:notes"/>
           <p:cNvSpPr txBox="1">
             <a:spLocks noGrp="1"/>
           </p:cNvSpPr>
@@ -2677,17 +2709,13 @@
               <a:buSzPts val="1400"/>
               <a:buNone/>
             </a:pPr>
-            <a:r>
-              <a:rPr lang="en-GB"/>
-              <a:t>Leon </a:t>
-            </a:r>
             <a:endParaRPr/>
           </a:p>
         </p:txBody>
       </p:sp>
       <p:sp>
         <p:nvSpPr>
-          <p:cNvPr id="124" name="Google Shape;124;p29:notes"/>
+          <p:cNvPr id="117" name="Google Shape;117;p10:notes"/>
           <p:cNvSpPr>
             <a:spLocks noGrp="1" noRot="1" noChangeAspect="1"/>
           </p:cNvSpPr>
@@ -2749,7 +2777,7 @@
   <p:cSld>
     <p:spTree>
       <p:nvGrpSpPr>
-        <p:cNvPr id="1" name="Shape 115"/>
+        <p:cNvPr id="1" name="Shape 122"/>
         <p:cNvGrpSpPr/>
         <p:nvPr/>
       </p:nvGrpSpPr>
@@ -2763,7 +2791,7 @@
       </p:grpSpPr>
       <p:sp>
         <p:nvSpPr>
-          <p:cNvPr id="116" name="Google Shape;116;p10:notes"/>
+          <p:cNvPr id="123" name="Google Shape;123;p29:notes"/>
           <p:cNvSpPr txBox="1">
             <a:spLocks noGrp="1"/>
           </p:cNvSpPr>
@@ -2803,13 +2831,17 @@
               <a:buSzPts val="1400"/>
               <a:buNone/>
             </a:pPr>
+            <a:r>
+              <a:rPr lang="en-GB"/>
+              <a:t>Leon </a:t>
+            </a:r>
             <a:endParaRPr/>
           </a:p>
         </p:txBody>
       </p:sp>
       <p:sp>
         <p:nvSpPr>
-          <p:cNvPr id="117" name="Google Shape;117;p10:notes"/>
+          <p:cNvPr id="124" name="Google Shape;124;p29:notes"/>
           <p:cNvSpPr>
             <a:spLocks noGrp="1" noRot="1" noChangeAspect="1"/>
           </p:cNvSpPr>
@@ -2925,288 +2957,6 @@
               <a:buSzPts val="1400"/>
               <a:buNone/>
             </a:pPr>
-            <a:r>
-              <a:rPr lang="en-GB" b="1" u="sng" dirty="0"/>
-              <a:t>Game Presentation Script: </a:t>
-            </a:r>
-          </a:p>
-          <a:p>
-            <a:pPr marL="0" lvl="0" indent="0" algn="l" rtl="0">
-              <a:lnSpc>
-                <a:spcPct val="100000"/>
-              </a:lnSpc>
-              <a:spcBef>
-                <a:spcPts val="0"/>
-              </a:spcBef>
-              <a:spcAft>
-                <a:spcPts val="0"/>
-              </a:spcAft>
-              <a:buSzPts val="1400"/>
-              <a:buNone/>
-            </a:pPr>
-            <a:endParaRPr lang="en-GB" dirty="0"/>
-          </a:p>
-          <a:p>
-            <a:pPr marL="0" lvl="0" indent="0" algn="l" rtl="0">
-              <a:lnSpc>
-                <a:spcPct val="100000"/>
-              </a:lnSpc>
-              <a:spcBef>
-                <a:spcPts val="0"/>
-              </a:spcBef>
-              <a:spcAft>
-                <a:spcPts val="0"/>
-              </a:spcAft>
-              <a:buSzPts val="1400"/>
-              <a:buNone/>
-            </a:pPr>
-            <a:r>
-              <a:rPr lang="en-GB" dirty="0"/>
-              <a:t>- Register a new Player</a:t>
-            </a:r>
-          </a:p>
-          <a:p>
-            <a:pPr marL="0" lvl="0" indent="0" algn="l" rtl="0">
-              <a:lnSpc>
-                <a:spcPct val="100000"/>
-              </a:lnSpc>
-              <a:spcBef>
-                <a:spcPts val="0"/>
-              </a:spcBef>
-              <a:spcAft>
-                <a:spcPts val="0"/>
-              </a:spcAft>
-              <a:buSzPts val="1400"/>
-              <a:buNone/>
-            </a:pPr>
-            <a:endParaRPr lang="en-GB" dirty="0"/>
-          </a:p>
-          <a:p>
-            <a:pPr marL="0" lvl="0" indent="0" algn="l" rtl="0">
-              <a:lnSpc>
-                <a:spcPct val="100000"/>
-              </a:lnSpc>
-              <a:spcBef>
-                <a:spcPts val="0"/>
-              </a:spcBef>
-              <a:spcAft>
-                <a:spcPts val="0"/>
-              </a:spcAft>
-              <a:buSzPts val="1400"/>
-              <a:buNone/>
-            </a:pPr>
-            <a:r>
-              <a:rPr lang="en-GB" dirty="0"/>
-              <a:t>- show the starting screen</a:t>
-            </a:r>
-          </a:p>
-          <a:p>
-            <a:pPr marL="0" lvl="0" indent="0" algn="l" rtl="0">
-              <a:lnSpc>
-                <a:spcPct val="100000"/>
-              </a:lnSpc>
-              <a:spcBef>
-                <a:spcPts val="0"/>
-              </a:spcBef>
-              <a:spcAft>
-                <a:spcPts val="0"/>
-              </a:spcAft>
-              <a:buSzPts val="1400"/>
-              <a:buNone/>
-            </a:pPr>
-            <a:r>
-              <a:rPr lang="en-GB" dirty="0"/>
-              <a:t>- explain resource bar</a:t>
-            </a:r>
-          </a:p>
-          <a:p>
-            <a:pPr marL="0" lvl="0" indent="0" algn="l" rtl="0">
-              <a:lnSpc>
-                <a:spcPct val="100000"/>
-              </a:lnSpc>
-              <a:spcBef>
-                <a:spcPts val="0"/>
-              </a:spcBef>
-              <a:spcAft>
-                <a:spcPts val="0"/>
-              </a:spcAft>
-              <a:buSzPts val="1400"/>
-              <a:buNone/>
-            </a:pPr>
-            <a:r>
-              <a:rPr lang="en-GB" dirty="0"/>
-              <a:t>- explain missions interface</a:t>
-            </a:r>
-          </a:p>
-          <a:p>
-            <a:pPr marL="0" lvl="0" indent="0" algn="l" rtl="0">
-              <a:lnSpc>
-                <a:spcPct val="100000"/>
-              </a:lnSpc>
-              <a:spcBef>
-                <a:spcPts val="0"/>
-              </a:spcBef>
-              <a:spcAft>
-                <a:spcPts val="0"/>
-              </a:spcAft>
-              <a:buSzPts val="1400"/>
-              <a:buNone/>
-            </a:pPr>
-            <a:r>
-              <a:rPr lang="en-GB" dirty="0"/>
-              <a:t>- start one mission </a:t>
-            </a:r>
-          </a:p>
-          <a:p>
-            <a:pPr marL="0" lvl="0" indent="0" algn="l" rtl="0">
-              <a:lnSpc>
-                <a:spcPct val="100000"/>
-              </a:lnSpc>
-              <a:spcBef>
-                <a:spcPts val="0"/>
-              </a:spcBef>
-              <a:spcAft>
-                <a:spcPts val="0"/>
-              </a:spcAft>
-              <a:buSzPts val="1400"/>
-              <a:buNone/>
-            </a:pPr>
-            <a:endParaRPr lang="en-GB" dirty="0"/>
-          </a:p>
-          <a:p>
-            <a:pPr marL="0" lvl="0" indent="0" algn="l" rtl="0">
-              <a:lnSpc>
-                <a:spcPct val="100000"/>
-              </a:lnSpc>
-              <a:spcBef>
-                <a:spcPts val="0"/>
-              </a:spcBef>
-              <a:spcAft>
-                <a:spcPts val="0"/>
-              </a:spcAft>
-              <a:buSzPts val="1400"/>
-              <a:buNone/>
-            </a:pPr>
-            <a:r>
-              <a:rPr lang="en-GB" dirty="0"/>
-              <a:t>-show ship fleet interface</a:t>
-            </a:r>
-          </a:p>
-          <a:p>
-            <a:pPr marL="0" lvl="0" indent="0" algn="l" rtl="0">
-              <a:lnSpc>
-                <a:spcPct val="100000"/>
-              </a:lnSpc>
-              <a:spcBef>
-                <a:spcPts val="0"/>
-              </a:spcBef>
-              <a:spcAft>
-                <a:spcPts val="0"/>
-              </a:spcAft>
-              <a:buSzPts val="1400"/>
-              <a:buNone/>
-            </a:pPr>
-            <a:r>
-              <a:rPr lang="en-GB" dirty="0"/>
-              <a:t>- buy a war ship</a:t>
-            </a:r>
-          </a:p>
-          <a:p>
-            <a:pPr marL="0" lvl="0" indent="0" algn="l" rtl="0">
-              <a:lnSpc>
-                <a:spcPct val="100000"/>
-              </a:lnSpc>
-              <a:spcBef>
-                <a:spcPts val="0"/>
-              </a:spcBef>
-              <a:spcAft>
-                <a:spcPts val="0"/>
-              </a:spcAft>
-              <a:buSzPts val="1400"/>
-              <a:buNone/>
-            </a:pPr>
-            <a:r>
-              <a:rPr lang="en-GB" dirty="0"/>
-              <a:t>- do first dome upgrade</a:t>
-            </a:r>
-          </a:p>
-          <a:p>
-            <a:pPr marL="0" lvl="0" indent="0" algn="l" rtl="0">
-              <a:lnSpc>
-                <a:spcPct val="100000"/>
-              </a:lnSpc>
-              <a:spcBef>
-                <a:spcPts val="0"/>
-              </a:spcBef>
-              <a:spcAft>
-                <a:spcPts val="0"/>
-              </a:spcAft>
-              <a:buSzPts val="1400"/>
-              <a:buNone/>
-            </a:pPr>
-            <a:endParaRPr lang="en-GB" dirty="0"/>
-          </a:p>
-          <a:p>
-            <a:pPr marL="0" lvl="0" indent="0" algn="l" rtl="0">
-              <a:lnSpc>
-                <a:spcPct val="100000"/>
-              </a:lnSpc>
-              <a:spcBef>
-                <a:spcPts val="0"/>
-              </a:spcBef>
-              <a:spcAft>
-                <a:spcPts val="0"/>
-              </a:spcAft>
-              <a:buSzPts val="1400"/>
-              <a:buNone/>
-            </a:pPr>
-            <a:r>
-              <a:rPr lang="en-GB" dirty="0"/>
-              <a:t>(when </a:t>
-            </a:r>
-            <a:r>
-              <a:rPr lang="en-GB"/>
-              <a:t>time left)</a:t>
-            </a:r>
-            <a:endParaRPr lang="en-GB" dirty="0"/>
-          </a:p>
-          <a:p>
-            <a:pPr marL="0" lvl="0" indent="0" algn="l" rtl="0">
-              <a:lnSpc>
-                <a:spcPct val="100000"/>
-              </a:lnSpc>
-              <a:spcBef>
-                <a:spcPts val="0"/>
-              </a:spcBef>
-              <a:spcAft>
-                <a:spcPts val="0"/>
-              </a:spcAft>
-              <a:buSzPts val="1400"/>
-              <a:buNone/>
-            </a:pPr>
-            <a:r>
-              <a:rPr lang="en-GB" dirty="0"/>
-              <a:t>-switch to advanced player</a:t>
-            </a:r>
-          </a:p>
-          <a:p>
-            <a:pPr marL="0" lvl="0" indent="0" algn="l" rtl="0">
-              <a:lnSpc>
-                <a:spcPct val="100000"/>
-              </a:lnSpc>
-              <a:spcBef>
-                <a:spcPts val="0"/>
-              </a:spcBef>
-              <a:spcAft>
-                <a:spcPts val="0"/>
-              </a:spcAft>
-              <a:buSzPts val="1400"/>
-              <a:buNone/>
-            </a:pPr>
-            <a:r>
-              <a:rPr lang="en-GB" dirty="0"/>
-              <a:t>- show how game advanced looks like</a:t>
-            </a:r>
             <a:endParaRPr dirty="0"/>
           </a:p>
         </p:txBody>
@@ -3334,7 +3084,299 @@
               <a:buSzPts val="1400"/>
               <a:buNone/>
             </a:pPr>
-            <a:endParaRPr/>
+            <a:r>
+              <a:rPr lang="en-GB" b="1" u="sng" dirty="0"/>
+              <a:t>Game Presentation Script: </a:t>
+            </a:r>
+          </a:p>
+          <a:p>
+            <a:pPr marL="0" lvl="0" indent="0" algn="l" rtl="0">
+              <a:lnSpc>
+                <a:spcPct val="100000"/>
+              </a:lnSpc>
+              <a:spcBef>
+                <a:spcPts val="0"/>
+              </a:spcBef>
+              <a:spcAft>
+                <a:spcPts val="0"/>
+              </a:spcAft>
+              <a:buSzPts val="1400"/>
+              <a:buNone/>
+            </a:pPr>
+            <a:endParaRPr lang="en-GB" dirty="0"/>
+          </a:p>
+          <a:p>
+            <a:pPr marL="0" lvl="0" indent="0" algn="l" rtl="0">
+              <a:lnSpc>
+                <a:spcPct val="100000"/>
+              </a:lnSpc>
+              <a:spcBef>
+                <a:spcPts val="0"/>
+              </a:spcBef>
+              <a:spcAft>
+                <a:spcPts val="0"/>
+              </a:spcAft>
+              <a:buSzPts val="1400"/>
+              <a:buNone/>
+            </a:pPr>
+            <a:r>
+              <a:rPr lang="en-GB" dirty="0"/>
+              <a:t>- Register a new Player</a:t>
+            </a:r>
+          </a:p>
+          <a:p>
+            <a:pPr marL="0" lvl="0" indent="0" algn="l" rtl="0">
+              <a:lnSpc>
+                <a:spcPct val="100000"/>
+              </a:lnSpc>
+              <a:spcBef>
+                <a:spcPts val="0"/>
+              </a:spcBef>
+              <a:spcAft>
+                <a:spcPts val="0"/>
+              </a:spcAft>
+              <a:buSzPts val="1400"/>
+              <a:buNone/>
+            </a:pPr>
+            <a:endParaRPr lang="en-GB" dirty="0"/>
+          </a:p>
+          <a:p>
+            <a:pPr marL="0" lvl="0" indent="0" algn="l" rtl="0">
+              <a:lnSpc>
+                <a:spcPct val="100000"/>
+              </a:lnSpc>
+              <a:spcBef>
+                <a:spcPts val="0"/>
+              </a:spcBef>
+              <a:spcAft>
+                <a:spcPts val="0"/>
+              </a:spcAft>
+              <a:buSzPts val="1400"/>
+              <a:buNone/>
+            </a:pPr>
+            <a:r>
+              <a:rPr lang="en-GB" dirty="0"/>
+              <a:t>- show the starting screen</a:t>
+            </a:r>
+          </a:p>
+          <a:p>
+            <a:pPr marL="0" lvl="0" indent="0" algn="l" rtl="0">
+              <a:lnSpc>
+                <a:spcPct val="100000"/>
+              </a:lnSpc>
+              <a:spcBef>
+                <a:spcPts val="0"/>
+              </a:spcBef>
+              <a:spcAft>
+                <a:spcPts val="0"/>
+              </a:spcAft>
+              <a:buSzPts val="1400"/>
+              <a:buNone/>
+            </a:pPr>
+            <a:r>
+              <a:rPr lang="en-GB" dirty="0"/>
+              <a:t>- explain resource bar</a:t>
+            </a:r>
+          </a:p>
+          <a:p>
+            <a:pPr marL="0" lvl="0" indent="0" algn="l" rtl="0">
+              <a:lnSpc>
+                <a:spcPct val="100000"/>
+              </a:lnSpc>
+              <a:spcBef>
+                <a:spcPts val="0"/>
+              </a:spcBef>
+              <a:spcAft>
+                <a:spcPts val="0"/>
+              </a:spcAft>
+              <a:buSzPts val="1400"/>
+              <a:buNone/>
+            </a:pPr>
+            <a:r>
+              <a:rPr lang="en-GB" dirty="0"/>
+              <a:t>- explain missions interface</a:t>
+            </a:r>
+          </a:p>
+          <a:p>
+            <a:pPr marL="0" lvl="0" indent="0" algn="l" rtl="0">
+              <a:lnSpc>
+                <a:spcPct val="100000"/>
+              </a:lnSpc>
+              <a:spcBef>
+                <a:spcPts val="0"/>
+              </a:spcBef>
+              <a:spcAft>
+                <a:spcPts val="0"/>
+              </a:spcAft>
+              <a:buSzPts val="1400"/>
+              <a:buNone/>
+            </a:pPr>
+            <a:r>
+              <a:rPr lang="en-GB" dirty="0"/>
+              <a:t>- start one mission </a:t>
+            </a:r>
+          </a:p>
+          <a:p>
+            <a:pPr marL="0" lvl="0" indent="0" algn="l" rtl="0">
+              <a:lnSpc>
+                <a:spcPct val="100000"/>
+              </a:lnSpc>
+              <a:spcBef>
+                <a:spcPts val="0"/>
+              </a:spcBef>
+              <a:spcAft>
+                <a:spcPts val="0"/>
+              </a:spcAft>
+              <a:buSzPts val="1400"/>
+              <a:buNone/>
+            </a:pPr>
+            <a:endParaRPr lang="en-GB" dirty="0"/>
+          </a:p>
+          <a:p>
+            <a:pPr marL="0" lvl="0" indent="0" algn="l" rtl="0">
+              <a:lnSpc>
+                <a:spcPct val="100000"/>
+              </a:lnSpc>
+              <a:spcBef>
+                <a:spcPts val="0"/>
+              </a:spcBef>
+              <a:spcAft>
+                <a:spcPts val="0"/>
+              </a:spcAft>
+              <a:buSzPts val="1400"/>
+              <a:buNone/>
+            </a:pPr>
+            <a:r>
+              <a:rPr lang="en-GB" dirty="0"/>
+              <a:t>-show ship fleet interface</a:t>
+            </a:r>
+          </a:p>
+          <a:p>
+            <a:pPr marL="0" lvl="0" indent="0" algn="l" rtl="0">
+              <a:lnSpc>
+                <a:spcPct val="100000"/>
+              </a:lnSpc>
+              <a:spcBef>
+                <a:spcPts val="0"/>
+              </a:spcBef>
+              <a:spcAft>
+                <a:spcPts val="0"/>
+              </a:spcAft>
+              <a:buSzPts val="1400"/>
+              <a:buNone/>
+            </a:pPr>
+            <a:r>
+              <a:rPr lang="en-GB" dirty="0"/>
+              <a:t>- buy a war ship</a:t>
+            </a:r>
+          </a:p>
+          <a:p>
+            <a:pPr marL="0" lvl="0" indent="0" algn="l" rtl="0">
+              <a:lnSpc>
+                <a:spcPct val="100000"/>
+              </a:lnSpc>
+              <a:spcBef>
+                <a:spcPts val="0"/>
+              </a:spcBef>
+              <a:spcAft>
+                <a:spcPts val="0"/>
+              </a:spcAft>
+              <a:buSzPts val="1400"/>
+              <a:buNone/>
+            </a:pPr>
+            <a:r>
+              <a:rPr lang="en-GB" dirty="0"/>
+              <a:t>- do first dome upgrade</a:t>
+            </a:r>
+          </a:p>
+          <a:p>
+            <a:pPr marL="0" lvl="0" indent="0" algn="l" rtl="0">
+              <a:lnSpc>
+                <a:spcPct val="100000"/>
+              </a:lnSpc>
+              <a:spcBef>
+                <a:spcPts val="0"/>
+              </a:spcBef>
+              <a:spcAft>
+                <a:spcPts val="0"/>
+              </a:spcAft>
+              <a:buSzPts val="1400"/>
+              <a:buNone/>
+            </a:pPr>
+            <a:endParaRPr lang="en-GB" dirty="0"/>
+          </a:p>
+          <a:p>
+            <a:pPr marL="0" lvl="0" indent="0" algn="l" rtl="0">
+              <a:lnSpc>
+                <a:spcPct val="100000"/>
+              </a:lnSpc>
+              <a:spcBef>
+                <a:spcPts val="0"/>
+              </a:spcBef>
+              <a:spcAft>
+                <a:spcPts val="0"/>
+              </a:spcAft>
+              <a:buSzPts val="1400"/>
+              <a:buNone/>
+            </a:pPr>
+            <a:r>
+              <a:rPr lang="en-GB" dirty="0"/>
+              <a:t>(when time left)</a:t>
+            </a:r>
+          </a:p>
+          <a:p>
+            <a:pPr marL="0" lvl="0" indent="0" algn="l" rtl="0">
+              <a:lnSpc>
+                <a:spcPct val="100000"/>
+              </a:lnSpc>
+              <a:spcBef>
+                <a:spcPts val="0"/>
+              </a:spcBef>
+              <a:spcAft>
+                <a:spcPts val="0"/>
+              </a:spcAft>
+              <a:buSzPts val="1400"/>
+              <a:buNone/>
+            </a:pPr>
+            <a:r>
+              <a:rPr lang="en-GB" dirty="0"/>
+              <a:t>-switch to advanced player</a:t>
+            </a:r>
+          </a:p>
+          <a:p>
+            <a:pPr marL="0" lvl="0" indent="0" algn="l" rtl="0">
+              <a:lnSpc>
+                <a:spcPct val="100000"/>
+              </a:lnSpc>
+              <a:spcBef>
+                <a:spcPts val="0"/>
+              </a:spcBef>
+              <a:spcAft>
+                <a:spcPts val="0"/>
+              </a:spcAft>
+              <a:buSzPts val="1400"/>
+              <a:buNone/>
+            </a:pPr>
+            <a:r>
+              <a:rPr lang="en-GB" dirty="0"/>
+              <a:t>- show how game advanced looks like</a:t>
+            </a:r>
+          </a:p>
+          <a:p>
+            <a:pPr marL="0" lvl="0" indent="0" algn="l" rtl="0">
+              <a:lnSpc>
+                <a:spcPct val="100000"/>
+              </a:lnSpc>
+              <a:spcBef>
+                <a:spcPts val="0"/>
+              </a:spcBef>
+              <a:spcAft>
+                <a:spcPts val="0"/>
+              </a:spcAft>
+              <a:buSzPts val="1400"/>
+              <a:buNone/>
+            </a:pPr>
+            <a:endParaRPr dirty="0"/>
           </a:p>
         </p:txBody>
       </p:sp>
@@ -16473,6 +16515,908 @@
 <file path=ppt/slides/slide4.xml><?xml version="1.0" encoding="utf-8"?>
 <p:sld xmlns:a="http://schemas.openxmlformats.org/drawingml/2006/main" xmlns:r="http://schemas.openxmlformats.org/officeDocument/2006/relationships" xmlns:p="http://schemas.openxmlformats.org/presentationml/2006/main">
   <p:cSld>
+    <p:spTree>
+      <p:nvGrpSpPr>
+        <p:cNvPr id="1" name="Shape 118"/>
+        <p:cNvGrpSpPr/>
+        <p:nvPr/>
+      </p:nvGrpSpPr>
+      <p:grpSpPr>
+        <a:xfrm>
+          <a:off x="0" y="0"/>
+          <a:ext cx="0" cy="0"/>
+          <a:chOff x="0" y="0"/>
+          <a:chExt cx="0" cy="0"/>
+        </a:xfrm>
+      </p:grpSpPr>
+      <p:sp>
+        <p:nvSpPr>
+          <p:cNvPr id="119" name="Google Shape;119;p10"/>
+          <p:cNvSpPr/>
+          <p:nvPr/>
+        </p:nvSpPr>
+        <p:spPr>
+          <a:xfrm>
+            <a:off x="0" y="-87406"/>
+            <a:ext cx="12192000" cy="6858000"/>
+          </a:xfrm>
+          <a:prstGeom prst="rect">
+            <a:avLst/>
+          </a:prstGeom>
+          <a:solidFill>
+            <a:schemeClr val="dk1"/>
+          </a:solidFill>
+          <a:ln w="25400" cap="flat" cmpd="sng">
+            <a:noFill/>
+            <a:prstDash val="solid"/>
+            <a:round/>
+            <a:headEnd type="none" w="sm" len="sm"/>
+            <a:tailEnd type="none" w="sm" len="sm"/>
+          </a:ln>
+        </p:spPr>
+        <p:txBody>
+          <a:bodyPr spcFirstLastPara="1" wrap="square" lIns="91425" tIns="45700" rIns="91425" bIns="45700" anchor="ctr" anchorCtr="0">
+            <a:noAutofit/>
+          </a:bodyPr>
+          <a:lstStyle/>
+          <a:p>
+            <a:pPr marL="0" marR="0" lvl="0" indent="0" algn="ctr" rtl="0">
+              <a:lnSpc>
+                <a:spcPct val="100000"/>
+              </a:lnSpc>
+              <a:spcBef>
+                <a:spcPts val="0"/>
+              </a:spcBef>
+              <a:spcAft>
+                <a:spcPts val="0"/>
+              </a:spcAft>
+              <a:buNone/>
+            </a:pPr>
+            <a:endParaRPr sz="1400" b="0" i="0" u="none" strike="noStrike" cap="none">
+              <a:solidFill>
+                <a:schemeClr val="lt1"/>
+              </a:solidFill>
+              <a:latin typeface="Arial"/>
+              <a:ea typeface="Arial"/>
+              <a:cs typeface="Arial"/>
+              <a:sym typeface="Arial"/>
+            </a:endParaRPr>
+          </a:p>
+        </p:txBody>
+      </p:sp>
+      <p:sp>
+        <p:nvSpPr>
+          <p:cNvPr id="120" name="Google Shape;120;p10"/>
+          <p:cNvSpPr txBox="1"/>
+          <p:nvPr/>
+        </p:nvSpPr>
+        <p:spPr>
+          <a:xfrm>
+            <a:off x="1049174" y="1053372"/>
+            <a:ext cx="9003900" cy="8558100"/>
+          </a:xfrm>
+          <a:prstGeom prst="rect">
+            <a:avLst/>
+          </a:prstGeom>
+          <a:noFill/>
+          <a:ln>
+            <a:noFill/>
+          </a:ln>
+        </p:spPr>
+        <p:txBody>
+          <a:bodyPr spcFirstLastPara="1" wrap="square" lIns="91425" tIns="45700" rIns="91425" bIns="45700" anchor="t" anchorCtr="0">
+            <a:spAutoFit/>
+          </a:bodyPr>
+          <a:lstStyle/>
+          <a:p>
+            <a:pPr marL="0" marR="0" lvl="0" indent="0" algn="l" rtl="0">
+              <a:lnSpc>
+                <a:spcPct val="100000"/>
+              </a:lnSpc>
+              <a:spcBef>
+                <a:spcPts val="0"/>
+              </a:spcBef>
+              <a:spcAft>
+                <a:spcPts val="0"/>
+              </a:spcAft>
+              <a:buNone/>
+            </a:pPr>
+            <a:r>
+              <a:rPr lang="en-GB" sz="1800" b="0" i="0" u="none" strike="noStrike" cap="none" dirty="0">
+                <a:solidFill>
+                  <a:schemeClr val="lt1"/>
+                </a:solidFill>
+                <a:latin typeface="Arial"/>
+                <a:ea typeface="Arial"/>
+                <a:cs typeface="Arial"/>
+                <a:sym typeface="Arial"/>
+              </a:rPr>
+              <a:t>The player is the commander of a space station associated to one of three factions with a fleet of different spaceships at his/her disposal. </a:t>
+            </a:r>
+            <a:endParaRPr dirty="0"/>
+          </a:p>
+          <a:p>
+            <a:pPr marL="0" marR="0" lvl="0" indent="0" algn="l" rtl="0">
+              <a:lnSpc>
+                <a:spcPct val="100000"/>
+              </a:lnSpc>
+              <a:spcBef>
+                <a:spcPts val="0"/>
+              </a:spcBef>
+              <a:spcAft>
+                <a:spcPts val="0"/>
+              </a:spcAft>
+              <a:buNone/>
+            </a:pPr>
+            <a:endParaRPr lang="en-GB" sz="1800" dirty="0">
+              <a:solidFill>
+                <a:schemeClr val="lt1"/>
+              </a:solidFill>
+            </a:endParaRPr>
+          </a:p>
+          <a:p>
+            <a:pPr marL="0" marR="0" lvl="0" indent="0" algn="l" rtl="0">
+              <a:lnSpc>
+                <a:spcPct val="100000"/>
+              </a:lnSpc>
+              <a:spcBef>
+                <a:spcPts val="0"/>
+              </a:spcBef>
+              <a:spcAft>
+                <a:spcPts val="0"/>
+              </a:spcAft>
+              <a:buNone/>
+            </a:pPr>
+            <a:endParaRPr sz="1800" dirty="0">
+              <a:solidFill>
+                <a:schemeClr val="lt1"/>
+              </a:solidFill>
+            </a:endParaRPr>
+          </a:p>
+          <a:p>
+            <a:pPr marL="0" marR="0" lvl="0" indent="0" algn="l" rtl="0">
+              <a:lnSpc>
+                <a:spcPct val="100000"/>
+              </a:lnSpc>
+              <a:spcBef>
+                <a:spcPts val="0"/>
+              </a:spcBef>
+              <a:spcAft>
+                <a:spcPts val="0"/>
+              </a:spcAft>
+              <a:buNone/>
+            </a:pPr>
+            <a:r>
+              <a:rPr lang="en-GB" sz="1800" b="0" i="0" u="sng" strike="noStrike" cap="none" dirty="0">
+                <a:solidFill>
+                  <a:schemeClr val="lt1"/>
+                </a:solidFill>
+                <a:latin typeface="Arial"/>
+                <a:ea typeface="Arial"/>
+                <a:cs typeface="Arial"/>
+                <a:sym typeface="Arial"/>
+              </a:rPr>
+              <a:t>The player can:</a:t>
+            </a:r>
+            <a:endParaRPr u="sng" dirty="0"/>
+          </a:p>
+          <a:p>
+            <a:pPr marL="0" marR="0" lvl="0" indent="0" algn="l" rtl="0">
+              <a:lnSpc>
+                <a:spcPct val="100000"/>
+              </a:lnSpc>
+              <a:spcBef>
+                <a:spcPts val="0"/>
+              </a:spcBef>
+              <a:spcAft>
+                <a:spcPts val="0"/>
+              </a:spcAft>
+              <a:buNone/>
+            </a:pPr>
+            <a:endParaRPr sz="1800" b="0" i="0" u="none" strike="noStrike" cap="none" dirty="0">
+              <a:solidFill>
+                <a:schemeClr val="lt1"/>
+              </a:solidFill>
+              <a:latin typeface="Arial"/>
+              <a:ea typeface="Arial"/>
+              <a:cs typeface="Arial"/>
+              <a:sym typeface="Arial"/>
+            </a:endParaRPr>
+          </a:p>
+          <a:p>
+            <a:pPr marL="285750" marR="0" lvl="0" indent="-273050" algn="l" rtl="0">
+              <a:lnSpc>
+                <a:spcPct val="100000"/>
+              </a:lnSpc>
+              <a:spcBef>
+                <a:spcPts val="0"/>
+              </a:spcBef>
+              <a:spcAft>
+                <a:spcPts val="0"/>
+              </a:spcAft>
+              <a:buClr>
+                <a:srgbClr val="000000"/>
+              </a:buClr>
+              <a:buSzPts val="1800"/>
+              <a:buFont typeface="Noto Sans Symbols"/>
+              <a:buChar char="⮚"/>
+            </a:pPr>
+            <a:r>
+              <a:rPr lang="en-GB" sz="1800" b="0" i="0" u="none" strike="noStrike" cap="none" dirty="0">
+                <a:solidFill>
+                  <a:schemeClr val="lt1"/>
+                </a:solidFill>
+                <a:latin typeface="Arial"/>
+                <a:ea typeface="Arial"/>
+                <a:cs typeface="Arial"/>
+                <a:sym typeface="Arial"/>
+              </a:rPr>
+              <a:t>Carry out Single Player Missions with his Fleet </a:t>
+            </a:r>
+            <a:endParaRPr sz="1800" dirty="0"/>
+          </a:p>
+          <a:p>
+            <a:pPr marL="0" marR="0" lvl="0" indent="0" algn="l" rtl="0">
+              <a:lnSpc>
+                <a:spcPct val="100000"/>
+              </a:lnSpc>
+              <a:spcBef>
+                <a:spcPts val="0"/>
+              </a:spcBef>
+              <a:spcAft>
+                <a:spcPts val="0"/>
+              </a:spcAft>
+              <a:buNone/>
+            </a:pPr>
+            <a:endParaRPr sz="1800" b="0" i="0" u="none" strike="noStrike" cap="none" dirty="0">
+              <a:solidFill>
+                <a:schemeClr val="lt1"/>
+              </a:solidFill>
+              <a:latin typeface="Arial"/>
+              <a:ea typeface="Arial"/>
+              <a:cs typeface="Arial"/>
+              <a:sym typeface="Arial"/>
+            </a:endParaRPr>
+          </a:p>
+          <a:p>
+            <a:pPr marL="285750" marR="0" lvl="0" indent="-273050" algn="l" rtl="0">
+              <a:lnSpc>
+                <a:spcPct val="100000"/>
+              </a:lnSpc>
+              <a:spcBef>
+                <a:spcPts val="0"/>
+              </a:spcBef>
+              <a:spcAft>
+                <a:spcPts val="0"/>
+              </a:spcAft>
+              <a:buClr>
+                <a:srgbClr val="000000"/>
+              </a:buClr>
+              <a:buSzPts val="1800"/>
+              <a:buFont typeface="Noto Sans Symbols"/>
+              <a:buChar char="⮚"/>
+            </a:pPr>
+            <a:r>
+              <a:rPr lang="en-GB" sz="1800" b="0" i="0" u="none" strike="noStrike" cap="none" dirty="0">
+                <a:solidFill>
+                  <a:schemeClr val="lt1"/>
+                </a:solidFill>
+                <a:latin typeface="Arial"/>
+                <a:ea typeface="Arial"/>
+                <a:cs typeface="Arial"/>
+                <a:sym typeface="Arial"/>
+              </a:rPr>
+              <a:t>Upgrade his/her Space station </a:t>
+            </a:r>
+            <a:endParaRPr sz="1800" dirty="0"/>
+          </a:p>
+          <a:p>
+            <a:pPr marL="285750" marR="0" lvl="0" indent="-158750" algn="l" rtl="0">
+              <a:lnSpc>
+                <a:spcPct val="100000"/>
+              </a:lnSpc>
+              <a:spcBef>
+                <a:spcPts val="0"/>
+              </a:spcBef>
+              <a:spcAft>
+                <a:spcPts val="0"/>
+              </a:spcAft>
+              <a:buClr>
+                <a:srgbClr val="000000"/>
+              </a:buClr>
+              <a:buSzPts val="2000"/>
+              <a:buFont typeface="Noto Sans Symbols"/>
+              <a:buNone/>
+            </a:pPr>
+            <a:endParaRPr sz="1800" b="0" i="0" u="none" strike="noStrike" cap="none" dirty="0">
+              <a:solidFill>
+                <a:schemeClr val="lt1"/>
+              </a:solidFill>
+              <a:latin typeface="Arial"/>
+              <a:ea typeface="Arial"/>
+              <a:cs typeface="Arial"/>
+              <a:sym typeface="Arial"/>
+            </a:endParaRPr>
+          </a:p>
+          <a:p>
+            <a:pPr marL="285750" marR="0" lvl="0" indent="-273050" algn="l" rtl="0">
+              <a:lnSpc>
+                <a:spcPct val="100000"/>
+              </a:lnSpc>
+              <a:spcBef>
+                <a:spcPts val="0"/>
+              </a:spcBef>
+              <a:spcAft>
+                <a:spcPts val="0"/>
+              </a:spcAft>
+              <a:buClr>
+                <a:srgbClr val="000000"/>
+              </a:buClr>
+              <a:buSzPts val="1800"/>
+              <a:buFont typeface="Noto Sans Symbols"/>
+              <a:buChar char="⮚"/>
+            </a:pPr>
+            <a:r>
+              <a:rPr lang="en-GB" sz="1800" b="0" i="0" u="none" strike="noStrike" cap="none" dirty="0">
+                <a:solidFill>
+                  <a:schemeClr val="lt1"/>
+                </a:solidFill>
+                <a:latin typeface="Arial"/>
+                <a:ea typeface="Arial"/>
+                <a:cs typeface="Arial"/>
+                <a:sym typeface="Arial"/>
+              </a:rPr>
+              <a:t> Join others on Multiplayer Missions</a:t>
+            </a:r>
+            <a:endParaRPr sz="1800" dirty="0"/>
+          </a:p>
+          <a:p>
+            <a:pPr marL="285750" marR="0" lvl="0" indent="-158750" algn="l" rtl="0">
+              <a:lnSpc>
+                <a:spcPct val="100000"/>
+              </a:lnSpc>
+              <a:spcBef>
+                <a:spcPts val="0"/>
+              </a:spcBef>
+              <a:spcAft>
+                <a:spcPts val="0"/>
+              </a:spcAft>
+              <a:buClr>
+                <a:srgbClr val="000000"/>
+              </a:buClr>
+              <a:buSzPts val="2000"/>
+              <a:buFont typeface="Noto Sans Symbols"/>
+              <a:buNone/>
+            </a:pPr>
+            <a:endParaRPr sz="1800" b="0" i="0" u="none" strike="noStrike" cap="none" dirty="0">
+              <a:solidFill>
+                <a:schemeClr val="lt1"/>
+              </a:solidFill>
+              <a:latin typeface="Arial"/>
+              <a:ea typeface="Arial"/>
+              <a:cs typeface="Arial"/>
+              <a:sym typeface="Arial"/>
+            </a:endParaRPr>
+          </a:p>
+          <a:p>
+            <a:pPr marL="285750" marR="0" lvl="0" indent="-273050" algn="l" rtl="0">
+              <a:lnSpc>
+                <a:spcPct val="100000"/>
+              </a:lnSpc>
+              <a:spcBef>
+                <a:spcPts val="0"/>
+              </a:spcBef>
+              <a:spcAft>
+                <a:spcPts val="0"/>
+              </a:spcAft>
+              <a:buClr>
+                <a:srgbClr val="000000"/>
+              </a:buClr>
+              <a:buSzPts val="1800"/>
+              <a:buFont typeface="Noto Sans Symbols"/>
+              <a:buChar char="⮚"/>
+            </a:pPr>
+            <a:r>
+              <a:rPr lang="en-GB" sz="1800" b="0" i="0" u="none" strike="noStrike" cap="none" dirty="0">
+                <a:solidFill>
+                  <a:schemeClr val="lt1"/>
+                </a:solidFill>
+                <a:latin typeface="Arial"/>
+                <a:ea typeface="Arial"/>
+                <a:cs typeface="Arial"/>
+                <a:sym typeface="Arial"/>
+              </a:rPr>
+              <a:t>Trade with his/her respective Faction</a:t>
+            </a:r>
+            <a:endParaRPr sz="1800" dirty="0"/>
+          </a:p>
+          <a:p>
+            <a:pPr marL="285750" marR="0" lvl="0" indent="-158750" algn="l" rtl="0">
+              <a:lnSpc>
+                <a:spcPct val="100000"/>
+              </a:lnSpc>
+              <a:spcBef>
+                <a:spcPts val="0"/>
+              </a:spcBef>
+              <a:spcAft>
+                <a:spcPts val="0"/>
+              </a:spcAft>
+              <a:buClr>
+                <a:srgbClr val="000000"/>
+              </a:buClr>
+              <a:buSzPts val="2000"/>
+              <a:buFont typeface="Noto Sans Symbols"/>
+              <a:buNone/>
+            </a:pPr>
+            <a:endParaRPr sz="2000" dirty="0">
+              <a:solidFill>
+                <a:schemeClr val="lt1"/>
+              </a:solidFill>
+            </a:endParaRPr>
+          </a:p>
+          <a:p>
+            <a:pPr marL="285750" marR="0" lvl="0" indent="-158750" algn="l" rtl="0">
+              <a:lnSpc>
+                <a:spcPct val="100000"/>
+              </a:lnSpc>
+              <a:spcBef>
+                <a:spcPts val="0"/>
+              </a:spcBef>
+              <a:spcAft>
+                <a:spcPts val="0"/>
+              </a:spcAft>
+              <a:buClr>
+                <a:srgbClr val="000000"/>
+              </a:buClr>
+              <a:buSzPts val="2000"/>
+              <a:buFont typeface="Noto Sans Symbols"/>
+              <a:buNone/>
+            </a:pPr>
+            <a:endParaRPr sz="2000" dirty="0">
+              <a:solidFill>
+                <a:schemeClr val="lt1"/>
+              </a:solidFill>
+            </a:endParaRPr>
+          </a:p>
+          <a:p>
+            <a:pPr marL="285750" marR="0" lvl="0" indent="-158750" algn="l" rtl="0">
+              <a:lnSpc>
+                <a:spcPct val="100000"/>
+              </a:lnSpc>
+              <a:spcBef>
+                <a:spcPts val="0"/>
+              </a:spcBef>
+              <a:spcAft>
+                <a:spcPts val="0"/>
+              </a:spcAft>
+              <a:buClr>
+                <a:srgbClr val="000000"/>
+              </a:buClr>
+              <a:buSzPts val="2000"/>
+              <a:buFont typeface="Noto Sans Symbols"/>
+              <a:buNone/>
+            </a:pPr>
+            <a:r>
+              <a:rPr lang="en-GB" sz="2000" u="sng" dirty="0">
+                <a:solidFill>
+                  <a:schemeClr val="lt1"/>
+                </a:solidFill>
+              </a:rPr>
+              <a:t>Goal: </a:t>
+            </a:r>
+            <a:endParaRPr sz="2000" u="sng" dirty="0">
+              <a:solidFill>
+                <a:schemeClr val="lt1"/>
+              </a:solidFill>
+            </a:endParaRPr>
+          </a:p>
+          <a:p>
+            <a:pPr marL="285750" marR="0" lvl="0" indent="-158750" algn="l" rtl="0">
+              <a:lnSpc>
+                <a:spcPct val="100000"/>
+              </a:lnSpc>
+              <a:spcBef>
+                <a:spcPts val="0"/>
+              </a:spcBef>
+              <a:spcAft>
+                <a:spcPts val="0"/>
+              </a:spcAft>
+              <a:buClr>
+                <a:srgbClr val="000000"/>
+              </a:buClr>
+              <a:buSzPts val="2000"/>
+              <a:buFont typeface="Noto Sans Symbols"/>
+              <a:buNone/>
+            </a:pPr>
+            <a:endParaRPr sz="2000" dirty="0">
+              <a:solidFill>
+                <a:schemeClr val="lt1"/>
+              </a:solidFill>
+            </a:endParaRPr>
+          </a:p>
+          <a:p>
+            <a:pPr marL="285750" marR="0" lvl="0" indent="-158750" algn="l" rtl="0">
+              <a:lnSpc>
+                <a:spcPct val="100000"/>
+              </a:lnSpc>
+              <a:spcBef>
+                <a:spcPts val="0"/>
+              </a:spcBef>
+              <a:spcAft>
+                <a:spcPts val="0"/>
+              </a:spcAft>
+              <a:buClr>
+                <a:srgbClr val="000000"/>
+              </a:buClr>
+              <a:buSzPts val="2000"/>
+              <a:buFont typeface="Noto Sans Symbols"/>
+              <a:buNone/>
+            </a:pPr>
+            <a:r>
+              <a:rPr lang="en-GB" sz="1800" dirty="0">
+                <a:solidFill>
+                  <a:schemeClr val="lt1"/>
+                </a:solidFill>
+              </a:rPr>
+              <a:t>The goal for the player is the expansion of his space station to unlock  new ships and go on bigger, exciting solo or multiplayer missions</a:t>
+            </a:r>
+            <a:endParaRPr sz="1800" dirty="0">
+              <a:solidFill>
+                <a:schemeClr val="lt1"/>
+              </a:solidFill>
+            </a:endParaRPr>
+          </a:p>
+          <a:p>
+            <a:pPr marL="285750" marR="0" lvl="0" indent="-158750" algn="l" rtl="0">
+              <a:lnSpc>
+                <a:spcPct val="100000"/>
+              </a:lnSpc>
+              <a:spcBef>
+                <a:spcPts val="0"/>
+              </a:spcBef>
+              <a:spcAft>
+                <a:spcPts val="0"/>
+              </a:spcAft>
+              <a:buClr>
+                <a:srgbClr val="000000"/>
+              </a:buClr>
+              <a:buSzPts val="2000"/>
+              <a:buFont typeface="Noto Sans Symbols"/>
+              <a:buNone/>
+            </a:pPr>
+            <a:endParaRPr sz="2000" b="0" i="0" u="none" strike="noStrike" cap="none" dirty="0">
+              <a:solidFill>
+                <a:schemeClr val="lt1"/>
+              </a:solidFill>
+              <a:latin typeface="Arial"/>
+              <a:ea typeface="Arial"/>
+              <a:cs typeface="Arial"/>
+              <a:sym typeface="Arial"/>
+            </a:endParaRPr>
+          </a:p>
+          <a:p>
+            <a:pPr marL="285750" marR="0" lvl="0" indent="-158750" algn="l" rtl="0">
+              <a:lnSpc>
+                <a:spcPct val="100000"/>
+              </a:lnSpc>
+              <a:spcBef>
+                <a:spcPts val="0"/>
+              </a:spcBef>
+              <a:spcAft>
+                <a:spcPts val="0"/>
+              </a:spcAft>
+              <a:buClr>
+                <a:srgbClr val="000000"/>
+              </a:buClr>
+              <a:buSzPts val="2000"/>
+              <a:buFont typeface="Noto Sans Symbols"/>
+              <a:buNone/>
+            </a:pPr>
+            <a:endParaRPr sz="2000" b="0" i="0" u="none" strike="noStrike" cap="none" dirty="0">
+              <a:solidFill>
+                <a:schemeClr val="lt1"/>
+              </a:solidFill>
+              <a:latin typeface="Arial"/>
+              <a:ea typeface="Arial"/>
+              <a:cs typeface="Arial"/>
+              <a:sym typeface="Arial"/>
+            </a:endParaRPr>
+          </a:p>
+          <a:p>
+            <a:pPr marL="285750" marR="0" lvl="0" indent="-158750" algn="l" rtl="0">
+              <a:lnSpc>
+                <a:spcPct val="100000"/>
+              </a:lnSpc>
+              <a:spcBef>
+                <a:spcPts val="0"/>
+              </a:spcBef>
+              <a:spcAft>
+                <a:spcPts val="0"/>
+              </a:spcAft>
+              <a:buClr>
+                <a:srgbClr val="000000"/>
+              </a:buClr>
+              <a:buSzPts val="2000"/>
+              <a:buFont typeface="Noto Sans Symbols"/>
+              <a:buNone/>
+            </a:pPr>
+            <a:endParaRPr sz="2000" b="0" i="0" u="none" strike="noStrike" cap="none" dirty="0">
+              <a:solidFill>
+                <a:schemeClr val="lt1"/>
+              </a:solidFill>
+              <a:latin typeface="Arial"/>
+              <a:ea typeface="Arial"/>
+              <a:cs typeface="Arial"/>
+              <a:sym typeface="Arial"/>
+            </a:endParaRPr>
+          </a:p>
+          <a:p>
+            <a:pPr marL="285750" marR="0" lvl="0" indent="-158750" algn="l" rtl="0">
+              <a:lnSpc>
+                <a:spcPct val="100000"/>
+              </a:lnSpc>
+              <a:spcBef>
+                <a:spcPts val="0"/>
+              </a:spcBef>
+              <a:spcAft>
+                <a:spcPts val="0"/>
+              </a:spcAft>
+              <a:buClr>
+                <a:srgbClr val="000000"/>
+              </a:buClr>
+              <a:buSzPts val="2000"/>
+              <a:buFont typeface="Noto Sans Symbols"/>
+              <a:buNone/>
+            </a:pPr>
+            <a:endParaRPr sz="2000" b="0" i="0" u="none" strike="noStrike" cap="none" dirty="0">
+              <a:solidFill>
+                <a:schemeClr val="lt1"/>
+              </a:solidFill>
+              <a:latin typeface="Arial"/>
+              <a:ea typeface="Arial"/>
+              <a:cs typeface="Arial"/>
+              <a:sym typeface="Arial"/>
+            </a:endParaRPr>
+          </a:p>
+          <a:p>
+            <a:pPr marL="285750" marR="0" lvl="0" indent="-158750" algn="l" rtl="0">
+              <a:lnSpc>
+                <a:spcPct val="100000"/>
+              </a:lnSpc>
+              <a:spcBef>
+                <a:spcPts val="0"/>
+              </a:spcBef>
+              <a:spcAft>
+                <a:spcPts val="0"/>
+              </a:spcAft>
+              <a:buClr>
+                <a:srgbClr val="000000"/>
+              </a:buClr>
+              <a:buSzPts val="2000"/>
+              <a:buFont typeface="Noto Sans Symbols"/>
+              <a:buNone/>
+            </a:pPr>
+            <a:endParaRPr sz="2000" b="0" i="0" u="none" strike="noStrike" cap="none" dirty="0">
+              <a:solidFill>
+                <a:schemeClr val="lt1"/>
+              </a:solidFill>
+              <a:latin typeface="Arial"/>
+              <a:ea typeface="Arial"/>
+              <a:cs typeface="Arial"/>
+              <a:sym typeface="Arial"/>
+            </a:endParaRPr>
+          </a:p>
+          <a:p>
+            <a:pPr marL="285750" marR="0" lvl="0" indent="-158750" algn="l" rtl="0">
+              <a:lnSpc>
+                <a:spcPct val="100000"/>
+              </a:lnSpc>
+              <a:spcBef>
+                <a:spcPts val="0"/>
+              </a:spcBef>
+              <a:spcAft>
+                <a:spcPts val="0"/>
+              </a:spcAft>
+              <a:buClr>
+                <a:srgbClr val="000000"/>
+              </a:buClr>
+              <a:buSzPts val="2000"/>
+              <a:buFont typeface="Noto Sans Symbols"/>
+              <a:buNone/>
+            </a:pPr>
+            <a:endParaRPr sz="2000" b="0" i="0" u="none" strike="noStrike" cap="none" dirty="0">
+              <a:solidFill>
+                <a:schemeClr val="lt1"/>
+              </a:solidFill>
+              <a:latin typeface="Arial"/>
+              <a:ea typeface="Arial"/>
+              <a:cs typeface="Arial"/>
+              <a:sym typeface="Arial"/>
+            </a:endParaRPr>
+          </a:p>
+          <a:p>
+            <a:pPr marL="285750" marR="0" lvl="0" indent="-158750" algn="l" rtl="0">
+              <a:lnSpc>
+                <a:spcPct val="100000"/>
+              </a:lnSpc>
+              <a:spcBef>
+                <a:spcPts val="0"/>
+              </a:spcBef>
+              <a:spcAft>
+                <a:spcPts val="0"/>
+              </a:spcAft>
+              <a:buClr>
+                <a:srgbClr val="000000"/>
+              </a:buClr>
+              <a:buSzPts val="2000"/>
+              <a:buFont typeface="Noto Sans Symbols"/>
+              <a:buNone/>
+            </a:pPr>
+            <a:endParaRPr sz="2000" b="0" i="0" u="none" strike="noStrike" cap="none" dirty="0">
+              <a:solidFill>
+                <a:schemeClr val="lt1"/>
+              </a:solidFill>
+              <a:latin typeface="Arial"/>
+              <a:ea typeface="Arial"/>
+              <a:cs typeface="Arial"/>
+              <a:sym typeface="Arial"/>
+            </a:endParaRPr>
+          </a:p>
+          <a:p>
+            <a:pPr marL="285750" marR="0" lvl="0" indent="-158750" algn="l" rtl="0">
+              <a:lnSpc>
+                <a:spcPct val="100000"/>
+              </a:lnSpc>
+              <a:spcBef>
+                <a:spcPts val="0"/>
+              </a:spcBef>
+              <a:spcAft>
+                <a:spcPts val="0"/>
+              </a:spcAft>
+              <a:buClr>
+                <a:srgbClr val="000000"/>
+              </a:buClr>
+              <a:buSzPts val="2000"/>
+              <a:buFont typeface="Noto Sans Symbols"/>
+              <a:buNone/>
+            </a:pPr>
+            <a:endParaRPr sz="2000" b="0" i="0" u="none" strike="noStrike" cap="none" dirty="0">
+              <a:solidFill>
+                <a:schemeClr val="lt1"/>
+              </a:solidFill>
+              <a:latin typeface="Arial"/>
+              <a:ea typeface="Arial"/>
+              <a:cs typeface="Arial"/>
+              <a:sym typeface="Arial"/>
+            </a:endParaRPr>
+          </a:p>
+          <a:p>
+            <a:pPr marL="285750" marR="0" lvl="0" indent="-158750" algn="l" rtl="0">
+              <a:lnSpc>
+                <a:spcPct val="100000"/>
+              </a:lnSpc>
+              <a:spcBef>
+                <a:spcPts val="0"/>
+              </a:spcBef>
+              <a:spcAft>
+                <a:spcPts val="0"/>
+              </a:spcAft>
+              <a:buClr>
+                <a:srgbClr val="000000"/>
+              </a:buClr>
+              <a:buSzPts val="2000"/>
+              <a:buFont typeface="Noto Sans Symbols"/>
+              <a:buNone/>
+            </a:pPr>
+            <a:endParaRPr sz="2000" b="0" i="0" u="none" strike="noStrike" cap="none" dirty="0">
+              <a:solidFill>
+                <a:schemeClr val="lt1"/>
+              </a:solidFill>
+              <a:latin typeface="Arial"/>
+              <a:ea typeface="Arial"/>
+              <a:cs typeface="Arial"/>
+              <a:sym typeface="Arial"/>
+            </a:endParaRPr>
+          </a:p>
+          <a:p>
+            <a:pPr marL="285750" marR="0" lvl="0" indent="-158750" algn="l" rtl="0">
+              <a:lnSpc>
+                <a:spcPct val="100000"/>
+              </a:lnSpc>
+              <a:spcBef>
+                <a:spcPts val="0"/>
+              </a:spcBef>
+              <a:spcAft>
+                <a:spcPts val="0"/>
+              </a:spcAft>
+              <a:buClr>
+                <a:srgbClr val="000000"/>
+              </a:buClr>
+              <a:buSzPts val="2000"/>
+              <a:buFont typeface="Noto Sans Symbols"/>
+              <a:buNone/>
+            </a:pPr>
+            <a:endParaRPr sz="2000" b="0" i="0" u="none" strike="noStrike" cap="none" dirty="0">
+              <a:solidFill>
+                <a:schemeClr val="lt1"/>
+              </a:solidFill>
+              <a:latin typeface="Arial"/>
+              <a:ea typeface="Arial"/>
+              <a:cs typeface="Arial"/>
+              <a:sym typeface="Arial"/>
+            </a:endParaRPr>
+          </a:p>
+        </p:txBody>
+      </p:sp>
+      <p:sp>
+        <p:nvSpPr>
+          <p:cNvPr id="121" name="Google Shape;121;p10"/>
+          <p:cNvSpPr txBox="1"/>
+          <p:nvPr/>
+        </p:nvSpPr>
+        <p:spPr>
+          <a:xfrm>
+            <a:off x="-528374" y="163638"/>
+            <a:ext cx="5334600" cy="925200"/>
+          </a:xfrm>
+          <a:prstGeom prst="rect">
+            <a:avLst/>
+          </a:prstGeom>
+          <a:noFill/>
+          <a:ln>
+            <a:noFill/>
+          </a:ln>
+        </p:spPr>
+        <p:txBody>
+          <a:bodyPr spcFirstLastPara="1" wrap="square" lIns="91425" tIns="45700" rIns="91425" bIns="45700" anchor="t" anchorCtr="0">
+            <a:normAutofit/>
+          </a:bodyPr>
+          <a:lstStyle/>
+          <a:p>
+            <a:pPr marL="457200" marR="0" lvl="0" indent="-406400" algn="ctr" rtl="0">
+              <a:lnSpc>
+                <a:spcPct val="90000"/>
+              </a:lnSpc>
+              <a:spcBef>
+                <a:spcPts val="1000"/>
+              </a:spcBef>
+              <a:spcAft>
+                <a:spcPts val="0"/>
+              </a:spcAft>
+              <a:buClr>
+                <a:schemeClr val="dk1"/>
+              </a:buClr>
+              <a:buSzPts val="2400"/>
+              <a:buFont typeface="Arial"/>
+              <a:buNone/>
+            </a:pPr>
+            <a:r>
+              <a:rPr lang="en-GB" sz="3600" b="0" i="0" u="none" strike="noStrike" cap="none" dirty="0">
+                <a:solidFill>
+                  <a:schemeClr val="lt1"/>
+                </a:solidFill>
+                <a:latin typeface="Calibri"/>
+                <a:ea typeface="Calibri"/>
+                <a:cs typeface="Calibri"/>
+                <a:sym typeface="Calibri"/>
+              </a:rPr>
+              <a:t>Game Objective</a:t>
+            </a:r>
+            <a:endParaRPr dirty="0"/>
+          </a:p>
+        </p:txBody>
+      </p:sp>
+    </p:spTree>
+  </p:cSld>
+  <p:clrMapOvr>
+    <a:masterClrMapping/>
+  </p:clrMapOvr>
+</p:sld>
+</file>
+
+<file path=ppt/slides/slide5.xml><?xml version="1.0" encoding="utf-8"?>
+<p:sld xmlns:a="http://schemas.openxmlformats.org/drawingml/2006/main" xmlns:r="http://schemas.openxmlformats.org/officeDocument/2006/relationships" xmlns:p="http://schemas.openxmlformats.org/presentationml/2006/main">
+  <p:cSld>
     <p:bg>
       <p:bgPr>
         <a:solidFill>
@@ -18794,908 +19738,6 @@
               <a:cs typeface="Arial"/>
               <a:sym typeface="Arial"/>
             </a:endParaRPr>
-          </a:p>
-        </p:txBody>
-      </p:sp>
-    </p:spTree>
-  </p:cSld>
-  <p:clrMapOvr>
-    <a:masterClrMapping/>
-  </p:clrMapOvr>
-</p:sld>
-</file>
-
-<file path=ppt/slides/slide5.xml><?xml version="1.0" encoding="utf-8"?>
-<p:sld xmlns:a="http://schemas.openxmlformats.org/drawingml/2006/main" xmlns:r="http://schemas.openxmlformats.org/officeDocument/2006/relationships" xmlns:p="http://schemas.openxmlformats.org/presentationml/2006/main">
-  <p:cSld>
-    <p:spTree>
-      <p:nvGrpSpPr>
-        <p:cNvPr id="1" name="Shape 118"/>
-        <p:cNvGrpSpPr/>
-        <p:nvPr/>
-      </p:nvGrpSpPr>
-      <p:grpSpPr>
-        <a:xfrm>
-          <a:off x="0" y="0"/>
-          <a:ext cx="0" cy="0"/>
-          <a:chOff x="0" y="0"/>
-          <a:chExt cx="0" cy="0"/>
-        </a:xfrm>
-      </p:grpSpPr>
-      <p:sp>
-        <p:nvSpPr>
-          <p:cNvPr id="119" name="Google Shape;119;p10"/>
-          <p:cNvSpPr/>
-          <p:nvPr/>
-        </p:nvSpPr>
-        <p:spPr>
-          <a:xfrm>
-            <a:off x="0" y="-87406"/>
-            <a:ext cx="12192000" cy="6858000"/>
-          </a:xfrm>
-          <a:prstGeom prst="rect">
-            <a:avLst/>
-          </a:prstGeom>
-          <a:solidFill>
-            <a:schemeClr val="dk1"/>
-          </a:solidFill>
-          <a:ln w="25400" cap="flat" cmpd="sng">
-            <a:noFill/>
-            <a:prstDash val="solid"/>
-            <a:round/>
-            <a:headEnd type="none" w="sm" len="sm"/>
-            <a:tailEnd type="none" w="sm" len="sm"/>
-          </a:ln>
-        </p:spPr>
-        <p:txBody>
-          <a:bodyPr spcFirstLastPara="1" wrap="square" lIns="91425" tIns="45700" rIns="91425" bIns="45700" anchor="ctr" anchorCtr="0">
-            <a:noAutofit/>
-          </a:bodyPr>
-          <a:lstStyle/>
-          <a:p>
-            <a:pPr marL="0" marR="0" lvl="0" indent="0" algn="ctr" rtl="0">
-              <a:lnSpc>
-                <a:spcPct val="100000"/>
-              </a:lnSpc>
-              <a:spcBef>
-                <a:spcPts val="0"/>
-              </a:spcBef>
-              <a:spcAft>
-                <a:spcPts val="0"/>
-              </a:spcAft>
-              <a:buNone/>
-            </a:pPr>
-            <a:endParaRPr sz="1400" b="0" i="0" u="none" strike="noStrike" cap="none">
-              <a:solidFill>
-                <a:schemeClr val="lt1"/>
-              </a:solidFill>
-              <a:latin typeface="Arial"/>
-              <a:ea typeface="Arial"/>
-              <a:cs typeface="Arial"/>
-              <a:sym typeface="Arial"/>
-            </a:endParaRPr>
-          </a:p>
-        </p:txBody>
-      </p:sp>
-      <p:sp>
-        <p:nvSpPr>
-          <p:cNvPr id="120" name="Google Shape;120;p10"/>
-          <p:cNvSpPr txBox="1"/>
-          <p:nvPr/>
-        </p:nvSpPr>
-        <p:spPr>
-          <a:xfrm>
-            <a:off x="1049174" y="1053372"/>
-            <a:ext cx="9003900" cy="8558100"/>
-          </a:xfrm>
-          <a:prstGeom prst="rect">
-            <a:avLst/>
-          </a:prstGeom>
-          <a:noFill/>
-          <a:ln>
-            <a:noFill/>
-          </a:ln>
-        </p:spPr>
-        <p:txBody>
-          <a:bodyPr spcFirstLastPara="1" wrap="square" lIns="91425" tIns="45700" rIns="91425" bIns="45700" anchor="t" anchorCtr="0">
-            <a:spAutoFit/>
-          </a:bodyPr>
-          <a:lstStyle/>
-          <a:p>
-            <a:pPr marL="0" marR="0" lvl="0" indent="0" algn="l" rtl="0">
-              <a:lnSpc>
-                <a:spcPct val="100000"/>
-              </a:lnSpc>
-              <a:spcBef>
-                <a:spcPts val="0"/>
-              </a:spcBef>
-              <a:spcAft>
-                <a:spcPts val="0"/>
-              </a:spcAft>
-              <a:buNone/>
-            </a:pPr>
-            <a:r>
-              <a:rPr lang="en-GB" sz="1800" b="0" i="0" u="none" strike="noStrike" cap="none" dirty="0">
-                <a:solidFill>
-                  <a:schemeClr val="lt1"/>
-                </a:solidFill>
-                <a:latin typeface="Arial"/>
-                <a:ea typeface="Arial"/>
-                <a:cs typeface="Arial"/>
-                <a:sym typeface="Arial"/>
-              </a:rPr>
-              <a:t>The player is the commander of a space station associated to one of three factions with a fleet of different spaceships at his/her disposal. </a:t>
-            </a:r>
-            <a:endParaRPr dirty="0"/>
-          </a:p>
-          <a:p>
-            <a:pPr marL="0" marR="0" lvl="0" indent="0" algn="l" rtl="0">
-              <a:lnSpc>
-                <a:spcPct val="100000"/>
-              </a:lnSpc>
-              <a:spcBef>
-                <a:spcPts val="0"/>
-              </a:spcBef>
-              <a:spcAft>
-                <a:spcPts val="0"/>
-              </a:spcAft>
-              <a:buNone/>
-            </a:pPr>
-            <a:endParaRPr lang="en-GB" sz="1800" dirty="0">
-              <a:solidFill>
-                <a:schemeClr val="lt1"/>
-              </a:solidFill>
-            </a:endParaRPr>
-          </a:p>
-          <a:p>
-            <a:pPr marL="0" marR="0" lvl="0" indent="0" algn="l" rtl="0">
-              <a:lnSpc>
-                <a:spcPct val="100000"/>
-              </a:lnSpc>
-              <a:spcBef>
-                <a:spcPts val="0"/>
-              </a:spcBef>
-              <a:spcAft>
-                <a:spcPts val="0"/>
-              </a:spcAft>
-              <a:buNone/>
-            </a:pPr>
-            <a:endParaRPr sz="1800" dirty="0">
-              <a:solidFill>
-                <a:schemeClr val="lt1"/>
-              </a:solidFill>
-            </a:endParaRPr>
-          </a:p>
-          <a:p>
-            <a:pPr marL="0" marR="0" lvl="0" indent="0" algn="l" rtl="0">
-              <a:lnSpc>
-                <a:spcPct val="100000"/>
-              </a:lnSpc>
-              <a:spcBef>
-                <a:spcPts val="0"/>
-              </a:spcBef>
-              <a:spcAft>
-                <a:spcPts val="0"/>
-              </a:spcAft>
-              <a:buNone/>
-            </a:pPr>
-            <a:r>
-              <a:rPr lang="en-GB" sz="1800" b="0" i="0" u="sng" strike="noStrike" cap="none" dirty="0">
-                <a:solidFill>
-                  <a:schemeClr val="lt1"/>
-                </a:solidFill>
-                <a:latin typeface="Arial"/>
-                <a:ea typeface="Arial"/>
-                <a:cs typeface="Arial"/>
-                <a:sym typeface="Arial"/>
-              </a:rPr>
-              <a:t>The player can:</a:t>
-            </a:r>
-            <a:endParaRPr u="sng" dirty="0"/>
-          </a:p>
-          <a:p>
-            <a:pPr marL="0" marR="0" lvl="0" indent="0" algn="l" rtl="0">
-              <a:lnSpc>
-                <a:spcPct val="100000"/>
-              </a:lnSpc>
-              <a:spcBef>
-                <a:spcPts val="0"/>
-              </a:spcBef>
-              <a:spcAft>
-                <a:spcPts val="0"/>
-              </a:spcAft>
-              <a:buNone/>
-            </a:pPr>
-            <a:endParaRPr sz="1800" b="0" i="0" u="none" strike="noStrike" cap="none" dirty="0">
-              <a:solidFill>
-                <a:schemeClr val="lt1"/>
-              </a:solidFill>
-              <a:latin typeface="Arial"/>
-              <a:ea typeface="Arial"/>
-              <a:cs typeface="Arial"/>
-              <a:sym typeface="Arial"/>
-            </a:endParaRPr>
-          </a:p>
-          <a:p>
-            <a:pPr marL="285750" marR="0" lvl="0" indent="-273050" algn="l" rtl="0">
-              <a:lnSpc>
-                <a:spcPct val="100000"/>
-              </a:lnSpc>
-              <a:spcBef>
-                <a:spcPts val="0"/>
-              </a:spcBef>
-              <a:spcAft>
-                <a:spcPts val="0"/>
-              </a:spcAft>
-              <a:buClr>
-                <a:srgbClr val="000000"/>
-              </a:buClr>
-              <a:buSzPts val="1800"/>
-              <a:buFont typeface="Noto Sans Symbols"/>
-              <a:buChar char="⮚"/>
-            </a:pPr>
-            <a:r>
-              <a:rPr lang="en-GB" sz="1800" b="0" i="0" u="none" strike="noStrike" cap="none" dirty="0">
-                <a:solidFill>
-                  <a:schemeClr val="lt1"/>
-                </a:solidFill>
-                <a:latin typeface="Arial"/>
-                <a:ea typeface="Arial"/>
-                <a:cs typeface="Arial"/>
-                <a:sym typeface="Arial"/>
-              </a:rPr>
-              <a:t>Carry out Single Player Missions with his Fleet </a:t>
-            </a:r>
-            <a:endParaRPr sz="1800" dirty="0"/>
-          </a:p>
-          <a:p>
-            <a:pPr marL="0" marR="0" lvl="0" indent="0" algn="l" rtl="0">
-              <a:lnSpc>
-                <a:spcPct val="100000"/>
-              </a:lnSpc>
-              <a:spcBef>
-                <a:spcPts val="0"/>
-              </a:spcBef>
-              <a:spcAft>
-                <a:spcPts val="0"/>
-              </a:spcAft>
-              <a:buNone/>
-            </a:pPr>
-            <a:endParaRPr sz="1800" b="0" i="0" u="none" strike="noStrike" cap="none" dirty="0">
-              <a:solidFill>
-                <a:schemeClr val="lt1"/>
-              </a:solidFill>
-              <a:latin typeface="Arial"/>
-              <a:ea typeface="Arial"/>
-              <a:cs typeface="Arial"/>
-              <a:sym typeface="Arial"/>
-            </a:endParaRPr>
-          </a:p>
-          <a:p>
-            <a:pPr marL="285750" marR="0" lvl="0" indent="-273050" algn="l" rtl="0">
-              <a:lnSpc>
-                <a:spcPct val="100000"/>
-              </a:lnSpc>
-              <a:spcBef>
-                <a:spcPts val="0"/>
-              </a:spcBef>
-              <a:spcAft>
-                <a:spcPts val="0"/>
-              </a:spcAft>
-              <a:buClr>
-                <a:srgbClr val="000000"/>
-              </a:buClr>
-              <a:buSzPts val="1800"/>
-              <a:buFont typeface="Noto Sans Symbols"/>
-              <a:buChar char="⮚"/>
-            </a:pPr>
-            <a:r>
-              <a:rPr lang="en-GB" sz="1800" b="0" i="0" u="none" strike="noStrike" cap="none" dirty="0">
-                <a:solidFill>
-                  <a:schemeClr val="lt1"/>
-                </a:solidFill>
-                <a:latin typeface="Arial"/>
-                <a:ea typeface="Arial"/>
-                <a:cs typeface="Arial"/>
-                <a:sym typeface="Arial"/>
-              </a:rPr>
-              <a:t>Upgrade his/her Space station </a:t>
-            </a:r>
-            <a:endParaRPr sz="1800" dirty="0"/>
-          </a:p>
-          <a:p>
-            <a:pPr marL="285750" marR="0" lvl="0" indent="-158750" algn="l" rtl="0">
-              <a:lnSpc>
-                <a:spcPct val="100000"/>
-              </a:lnSpc>
-              <a:spcBef>
-                <a:spcPts val="0"/>
-              </a:spcBef>
-              <a:spcAft>
-                <a:spcPts val="0"/>
-              </a:spcAft>
-              <a:buClr>
-                <a:srgbClr val="000000"/>
-              </a:buClr>
-              <a:buSzPts val="2000"/>
-              <a:buFont typeface="Noto Sans Symbols"/>
-              <a:buNone/>
-            </a:pPr>
-            <a:endParaRPr sz="1800" b="0" i="0" u="none" strike="noStrike" cap="none" dirty="0">
-              <a:solidFill>
-                <a:schemeClr val="lt1"/>
-              </a:solidFill>
-              <a:latin typeface="Arial"/>
-              <a:ea typeface="Arial"/>
-              <a:cs typeface="Arial"/>
-              <a:sym typeface="Arial"/>
-            </a:endParaRPr>
-          </a:p>
-          <a:p>
-            <a:pPr marL="285750" marR="0" lvl="0" indent="-273050" algn="l" rtl="0">
-              <a:lnSpc>
-                <a:spcPct val="100000"/>
-              </a:lnSpc>
-              <a:spcBef>
-                <a:spcPts val="0"/>
-              </a:spcBef>
-              <a:spcAft>
-                <a:spcPts val="0"/>
-              </a:spcAft>
-              <a:buClr>
-                <a:srgbClr val="000000"/>
-              </a:buClr>
-              <a:buSzPts val="1800"/>
-              <a:buFont typeface="Noto Sans Symbols"/>
-              <a:buChar char="⮚"/>
-            </a:pPr>
-            <a:r>
-              <a:rPr lang="en-GB" sz="1800" b="0" i="0" u="none" strike="noStrike" cap="none" dirty="0">
-                <a:solidFill>
-                  <a:schemeClr val="lt1"/>
-                </a:solidFill>
-                <a:latin typeface="Arial"/>
-                <a:ea typeface="Arial"/>
-                <a:cs typeface="Arial"/>
-                <a:sym typeface="Arial"/>
-              </a:rPr>
-              <a:t> Join others on Multiplayer Missions</a:t>
-            </a:r>
-            <a:endParaRPr sz="1800" dirty="0"/>
-          </a:p>
-          <a:p>
-            <a:pPr marL="285750" marR="0" lvl="0" indent="-158750" algn="l" rtl="0">
-              <a:lnSpc>
-                <a:spcPct val="100000"/>
-              </a:lnSpc>
-              <a:spcBef>
-                <a:spcPts val="0"/>
-              </a:spcBef>
-              <a:spcAft>
-                <a:spcPts val="0"/>
-              </a:spcAft>
-              <a:buClr>
-                <a:srgbClr val="000000"/>
-              </a:buClr>
-              <a:buSzPts val="2000"/>
-              <a:buFont typeface="Noto Sans Symbols"/>
-              <a:buNone/>
-            </a:pPr>
-            <a:endParaRPr sz="1800" b="0" i="0" u="none" strike="noStrike" cap="none" dirty="0">
-              <a:solidFill>
-                <a:schemeClr val="lt1"/>
-              </a:solidFill>
-              <a:latin typeface="Arial"/>
-              <a:ea typeface="Arial"/>
-              <a:cs typeface="Arial"/>
-              <a:sym typeface="Arial"/>
-            </a:endParaRPr>
-          </a:p>
-          <a:p>
-            <a:pPr marL="285750" marR="0" lvl="0" indent="-273050" algn="l" rtl="0">
-              <a:lnSpc>
-                <a:spcPct val="100000"/>
-              </a:lnSpc>
-              <a:spcBef>
-                <a:spcPts val="0"/>
-              </a:spcBef>
-              <a:spcAft>
-                <a:spcPts val="0"/>
-              </a:spcAft>
-              <a:buClr>
-                <a:srgbClr val="000000"/>
-              </a:buClr>
-              <a:buSzPts val="1800"/>
-              <a:buFont typeface="Noto Sans Symbols"/>
-              <a:buChar char="⮚"/>
-            </a:pPr>
-            <a:r>
-              <a:rPr lang="en-GB" sz="1800" b="0" i="0" u="none" strike="noStrike" cap="none" dirty="0">
-                <a:solidFill>
-                  <a:schemeClr val="lt1"/>
-                </a:solidFill>
-                <a:latin typeface="Arial"/>
-                <a:ea typeface="Arial"/>
-                <a:cs typeface="Arial"/>
-                <a:sym typeface="Arial"/>
-              </a:rPr>
-              <a:t>Trade with his/her respective Faction</a:t>
-            </a:r>
-            <a:endParaRPr sz="1800" dirty="0"/>
-          </a:p>
-          <a:p>
-            <a:pPr marL="285750" marR="0" lvl="0" indent="-158750" algn="l" rtl="0">
-              <a:lnSpc>
-                <a:spcPct val="100000"/>
-              </a:lnSpc>
-              <a:spcBef>
-                <a:spcPts val="0"/>
-              </a:spcBef>
-              <a:spcAft>
-                <a:spcPts val="0"/>
-              </a:spcAft>
-              <a:buClr>
-                <a:srgbClr val="000000"/>
-              </a:buClr>
-              <a:buSzPts val="2000"/>
-              <a:buFont typeface="Noto Sans Symbols"/>
-              <a:buNone/>
-            </a:pPr>
-            <a:endParaRPr sz="2000" dirty="0">
-              <a:solidFill>
-                <a:schemeClr val="lt1"/>
-              </a:solidFill>
-            </a:endParaRPr>
-          </a:p>
-          <a:p>
-            <a:pPr marL="285750" marR="0" lvl="0" indent="-158750" algn="l" rtl="0">
-              <a:lnSpc>
-                <a:spcPct val="100000"/>
-              </a:lnSpc>
-              <a:spcBef>
-                <a:spcPts val="0"/>
-              </a:spcBef>
-              <a:spcAft>
-                <a:spcPts val="0"/>
-              </a:spcAft>
-              <a:buClr>
-                <a:srgbClr val="000000"/>
-              </a:buClr>
-              <a:buSzPts val="2000"/>
-              <a:buFont typeface="Noto Sans Symbols"/>
-              <a:buNone/>
-            </a:pPr>
-            <a:endParaRPr sz="2000" dirty="0">
-              <a:solidFill>
-                <a:schemeClr val="lt1"/>
-              </a:solidFill>
-            </a:endParaRPr>
-          </a:p>
-          <a:p>
-            <a:pPr marL="285750" marR="0" lvl="0" indent="-158750" algn="l" rtl="0">
-              <a:lnSpc>
-                <a:spcPct val="100000"/>
-              </a:lnSpc>
-              <a:spcBef>
-                <a:spcPts val="0"/>
-              </a:spcBef>
-              <a:spcAft>
-                <a:spcPts val="0"/>
-              </a:spcAft>
-              <a:buClr>
-                <a:srgbClr val="000000"/>
-              </a:buClr>
-              <a:buSzPts val="2000"/>
-              <a:buFont typeface="Noto Sans Symbols"/>
-              <a:buNone/>
-            </a:pPr>
-            <a:r>
-              <a:rPr lang="en-GB" sz="2000" u="sng" dirty="0">
-                <a:solidFill>
-                  <a:schemeClr val="lt1"/>
-                </a:solidFill>
-              </a:rPr>
-              <a:t>Goal: </a:t>
-            </a:r>
-            <a:endParaRPr sz="2000" u="sng" dirty="0">
-              <a:solidFill>
-                <a:schemeClr val="lt1"/>
-              </a:solidFill>
-            </a:endParaRPr>
-          </a:p>
-          <a:p>
-            <a:pPr marL="285750" marR="0" lvl="0" indent="-158750" algn="l" rtl="0">
-              <a:lnSpc>
-                <a:spcPct val="100000"/>
-              </a:lnSpc>
-              <a:spcBef>
-                <a:spcPts val="0"/>
-              </a:spcBef>
-              <a:spcAft>
-                <a:spcPts val="0"/>
-              </a:spcAft>
-              <a:buClr>
-                <a:srgbClr val="000000"/>
-              </a:buClr>
-              <a:buSzPts val="2000"/>
-              <a:buFont typeface="Noto Sans Symbols"/>
-              <a:buNone/>
-            </a:pPr>
-            <a:endParaRPr sz="2000" dirty="0">
-              <a:solidFill>
-                <a:schemeClr val="lt1"/>
-              </a:solidFill>
-            </a:endParaRPr>
-          </a:p>
-          <a:p>
-            <a:pPr marL="285750" marR="0" lvl="0" indent="-158750" algn="l" rtl="0">
-              <a:lnSpc>
-                <a:spcPct val="100000"/>
-              </a:lnSpc>
-              <a:spcBef>
-                <a:spcPts val="0"/>
-              </a:spcBef>
-              <a:spcAft>
-                <a:spcPts val="0"/>
-              </a:spcAft>
-              <a:buClr>
-                <a:srgbClr val="000000"/>
-              </a:buClr>
-              <a:buSzPts val="2000"/>
-              <a:buFont typeface="Noto Sans Symbols"/>
-              <a:buNone/>
-            </a:pPr>
-            <a:r>
-              <a:rPr lang="en-GB" sz="1800" dirty="0">
-                <a:solidFill>
-                  <a:schemeClr val="lt1"/>
-                </a:solidFill>
-              </a:rPr>
-              <a:t>The goal for the player is the expansion of his space station to unlock  new ships and go on bigger, exciting solo or multiplayer missions</a:t>
-            </a:r>
-            <a:endParaRPr sz="1800" dirty="0">
-              <a:solidFill>
-                <a:schemeClr val="lt1"/>
-              </a:solidFill>
-            </a:endParaRPr>
-          </a:p>
-          <a:p>
-            <a:pPr marL="285750" marR="0" lvl="0" indent="-158750" algn="l" rtl="0">
-              <a:lnSpc>
-                <a:spcPct val="100000"/>
-              </a:lnSpc>
-              <a:spcBef>
-                <a:spcPts val="0"/>
-              </a:spcBef>
-              <a:spcAft>
-                <a:spcPts val="0"/>
-              </a:spcAft>
-              <a:buClr>
-                <a:srgbClr val="000000"/>
-              </a:buClr>
-              <a:buSzPts val="2000"/>
-              <a:buFont typeface="Noto Sans Symbols"/>
-              <a:buNone/>
-            </a:pPr>
-            <a:endParaRPr sz="2000" b="0" i="0" u="none" strike="noStrike" cap="none" dirty="0">
-              <a:solidFill>
-                <a:schemeClr val="lt1"/>
-              </a:solidFill>
-              <a:latin typeface="Arial"/>
-              <a:ea typeface="Arial"/>
-              <a:cs typeface="Arial"/>
-              <a:sym typeface="Arial"/>
-            </a:endParaRPr>
-          </a:p>
-          <a:p>
-            <a:pPr marL="285750" marR="0" lvl="0" indent="-158750" algn="l" rtl="0">
-              <a:lnSpc>
-                <a:spcPct val="100000"/>
-              </a:lnSpc>
-              <a:spcBef>
-                <a:spcPts val="0"/>
-              </a:spcBef>
-              <a:spcAft>
-                <a:spcPts val="0"/>
-              </a:spcAft>
-              <a:buClr>
-                <a:srgbClr val="000000"/>
-              </a:buClr>
-              <a:buSzPts val="2000"/>
-              <a:buFont typeface="Noto Sans Symbols"/>
-              <a:buNone/>
-            </a:pPr>
-            <a:endParaRPr sz="2000" b="0" i="0" u="none" strike="noStrike" cap="none" dirty="0">
-              <a:solidFill>
-                <a:schemeClr val="lt1"/>
-              </a:solidFill>
-              <a:latin typeface="Arial"/>
-              <a:ea typeface="Arial"/>
-              <a:cs typeface="Arial"/>
-              <a:sym typeface="Arial"/>
-            </a:endParaRPr>
-          </a:p>
-          <a:p>
-            <a:pPr marL="285750" marR="0" lvl="0" indent="-158750" algn="l" rtl="0">
-              <a:lnSpc>
-                <a:spcPct val="100000"/>
-              </a:lnSpc>
-              <a:spcBef>
-                <a:spcPts val="0"/>
-              </a:spcBef>
-              <a:spcAft>
-                <a:spcPts val="0"/>
-              </a:spcAft>
-              <a:buClr>
-                <a:srgbClr val="000000"/>
-              </a:buClr>
-              <a:buSzPts val="2000"/>
-              <a:buFont typeface="Noto Sans Symbols"/>
-              <a:buNone/>
-            </a:pPr>
-            <a:endParaRPr sz="2000" b="0" i="0" u="none" strike="noStrike" cap="none" dirty="0">
-              <a:solidFill>
-                <a:schemeClr val="lt1"/>
-              </a:solidFill>
-              <a:latin typeface="Arial"/>
-              <a:ea typeface="Arial"/>
-              <a:cs typeface="Arial"/>
-              <a:sym typeface="Arial"/>
-            </a:endParaRPr>
-          </a:p>
-          <a:p>
-            <a:pPr marL="285750" marR="0" lvl="0" indent="-158750" algn="l" rtl="0">
-              <a:lnSpc>
-                <a:spcPct val="100000"/>
-              </a:lnSpc>
-              <a:spcBef>
-                <a:spcPts val="0"/>
-              </a:spcBef>
-              <a:spcAft>
-                <a:spcPts val="0"/>
-              </a:spcAft>
-              <a:buClr>
-                <a:srgbClr val="000000"/>
-              </a:buClr>
-              <a:buSzPts val="2000"/>
-              <a:buFont typeface="Noto Sans Symbols"/>
-              <a:buNone/>
-            </a:pPr>
-            <a:endParaRPr sz="2000" b="0" i="0" u="none" strike="noStrike" cap="none" dirty="0">
-              <a:solidFill>
-                <a:schemeClr val="lt1"/>
-              </a:solidFill>
-              <a:latin typeface="Arial"/>
-              <a:ea typeface="Arial"/>
-              <a:cs typeface="Arial"/>
-              <a:sym typeface="Arial"/>
-            </a:endParaRPr>
-          </a:p>
-          <a:p>
-            <a:pPr marL="285750" marR="0" lvl="0" indent="-158750" algn="l" rtl="0">
-              <a:lnSpc>
-                <a:spcPct val="100000"/>
-              </a:lnSpc>
-              <a:spcBef>
-                <a:spcPts val="0"/>
-              </a:spcBef>
-              <a:spcAft>
-                <a:spcPts val="0"/>
-              </a:spcAft>
-              <a:buClr>
-                <a:srgbClr val="000000"/>
-              </a:buClr>
-              <a:buSzPts val="2000"/>
-              <a:buFont typeface="Noto Sans Symbols"/>
-              <a:buNone/>
-            </a:pPr>
-            <a:endParaRPr sz="2000" b="0" i="0" u="none" strike="noStrike" cap="none" dirty="0">
-              <a:solidFill>
-                <a:schemeClr val="lt1"/>
-              </a:solidFill>
-              <a:latin typeface="Arial"/>
-              <a:ea typeface="Arial"/>
-              <a:cs typeface="Arial"/>
-              <a:sym typeface="Arial"/>
-            </a:endParaRPr>
-          </a:p>
-          <a:p>
-            <a:pPr marL="285750" marR="0" lvl="0" indent="-158750" algn="l" rtl="0">
-              <a:lnSpc>
-                <a:spcPct val="100000"/>
-              </a:lnSpc>
-              <a:spcBef>
-                <a:spcPts val="0"/>
-              </a:spcBef>
-              <a:spcAft>
-                <a:spcPts val="0"/>
-              </a:spcAft>
-              <a:buClr>
-                <a:srgbClr val="000000"/>
-              </a:buClr>
-              <a:buSzPts val="2000"/>
-              <a:buFont typeface="Noto Sans Symbols"/>
-              <a:buNone/>
-            </a:pPr>
-            <a:endParaRPr sz="2000" b="0" i="0" u="none" strike="noStrike" cap="none" dirty="0">
-              <a:solidFill>
-                <a:schemeClr val="lt1"/>
-              </a:solidFill>
-              <a:latin typeface="Arial"/>
-              <a:ea typeface="Arial"/>
-              <a:cs typeface="Arial"/>
-              <a:sym typeface="Arial"/>
-            </a:endParaRPr>
-          </a:p>
-          <a:p>
-            <a:pPr marL="285750" marR="0" lvl="0" indent="-158750" algn="l" rtl="0">
-              <a:lnSpc>
-                <a:spcPct val="100000"/>
-              </a:lnSpc>
-              <a:spcBef>
-                <a:spcPts val="0"/>
-              </a:spcBef>
-              <a:spcAft>
-                <a:spcPts val="0"/>
-              </a:spcAft>
-              <a:buClr>
-                <a:srgbClr val="000000"/>
-              </a:buClr>
-              <a:buSzPts val="2000"/>
-              <a:buFont typeface="Noto Sans Symbols"/>
-              <a:buNone/>
-            </a:pPr>
-            <a:endParaRPr sz="2000" b="0" i="0" u="none" strike="noStrike" cap="none" dirty="0">
-              <a:solidFill>
-                <a:schemeClr val="lt1"/>
-              </a:solidFill>
-              <a:latin typeface="Arial"/>
-              <a:ea typeface="Arial"/>
-              <a:cs typeface="Arial"/>
-              <a:sym typeface="Arial"/>
-            </a:endParaRPr>
-          </a:p>
-          <a:p>
-            <a:pPr marL="285750" marR="0" lvl="0" indent="-158750" algn="l" rtl="0">
-              <a:lnSpc>
-                <a:spcPct val="100000"/>
-              </a:lnSpc>
-              <a:spcBef>
-                <a:spcPts val="0"/>
-              </a:spcBef>
-              <a:spcAft>
-                <a:spcPts val="0"/>
-              </a:spcAft>
-              <a:buClr>
-                <a:srgbClr val="000000"/>
-              </a:buClr>
-              <a:buSzPts val="2000"/>
-              <a:buFont typeface="Noto Sans Symbols"/>
-              <a:buNone/>
-            </a:pPr>
-            <a:endParaRPr sz="2000" b="0" i="0" u="none" strike="noStrike" cap="none" dirty="0">
-              <a:solidFill>
-                <a:schemeClr val="lt1"/>
-              </a:solidFill>
-              <a:latin typeface="Arial"/>
-              <a:ea typeface="Arial"/>
-              <a:cs typeface="Arial"/>
-              <a:sym typeface="Arial"/>
-            </a:endParaRPr>
-          </a:p>
-          <a:p>
-            <a:pPr marL="285750" marR="0" lvl="0" indent="-158750" algn="l" rtl="0">
-              <a:lnSpc>
-                <a:spcPct val="100000"/>
-              </a:lnSpc>
-              <a:spcBef>
-                <a:spcPts val="0"/>
-              </a:spcBef>
-              <a:spcAft>
-                <a:spcPts val="0"/>
-              </a:spcAft>
-              <a:buClr>
-                <a:srgbClr val="000000"/>
-              </a:buClr>
-              <a:buSzPts val="2000"/>
-              <a:buFont typeface="Noto Sans Symbols"/>
-              <a:buNone/>
-            </a:pPr>
-            <a:endParaRPr sz="2000" b="0" i="0" u="none" strike="noStrike" cap="none" dirty="0">
-              <a:solidFill>
-                <a:schemeClr val="lt1"/>
-              </a:solidFill>
-              <a:latin typeface="Arial"/>
-              <a:ea typeface="Arial"/>
-              <a:cs typeface="Arial"/>
-              <a:sym typeface="Arial"/>
-            </a:endParaRPr>
-          </a:p>
-          <a:p>
-            <a:pPr marL="285750" marR="0" lvl="0" indent="-158750" algn="l" rtl="0">
-              <a:lnSpc>
-                <a:spcPct val="100000"/>
-              </a:lnSpc>
-              <a:spcBef>
-                <a:spcPts val="0"/>
-              </a:spcBef>
-              <a:spcAft>
-                <a:spcPts val="0"/>
-              </a:spcAft>
-              <a:buClr>
-                <a:srgbClr val="000000"/>
-              </a:buClr>
-              <a:buSzPts val="2000"/>
-              <a:buFont typeface="Noto Sans Symbols"/>
-              <a:buNone/>
-            </a:pPr>
-            <a:endParaRPr sz="2000" b="0" i="0" u="none" strike="noStrike" cap="none" dirty="0">
-              <a:solidFill>
-                <a:schemeClr val="lt1"/>
-              </a:solidFill>
-              <a:latin typeface="Arial"/>
-              <a:ea typeface="Arial"/>
-              <a:cs typeface="Arial"/>
-              <a:sym typeface="Arial"/>
-            </a:endParaRPr>
-          </a:p>
-        </p:txBody>
-      </p:sp>
-      <p:sp>
-        <p:nvSpPr>
-          <p:cNvPr id="121" name="Google Shape;121;p10"/>
-          <p:cNvSpPr txBox="1"/>
-          <p:nvPr/>
-        </p:nvSpPr>
-        <p:spPr>
-          <a:xfrm>
-            <a:off x="-528374" y="163638"/>
-            <a:ext cx="5334600" cy="925200"/>
-          </a:xfrm>
-          <a:prstGeom prst="rect">
-            <a:avLst/>
-          </a:prstGeom>
-          <a:noFill/>
-          <a:ln>
-            <a:noFill/>
-          </a:ln>
-        </p:spPr>
-        <p:txBody>
-          <a:bodyPr spcFirstLastPara="1" wrap="square" lIns="91425" tIns="45700" rIns="91425" bIns="45700" anchor="t" anchorCtr="0">
-            <a:normAutofit/>
-          </a:bodyPr>
-          <a:lstStyle/>
-          <a:p>
-            <a:pPr marL="457200" marR="0" lvl="0" indent="-406400" algn="ctr" rtl="0">
-              <a:lnSpc>
-                <a:spcPct val="90000"/>
-              </a:lnSpc>
-              <a:spcBef>
-                <a:spcPts val="1000"/>
-              </a:spcBef>
-              <a:spcAft>
-                <a:spcPts val="0"/>
-              </a:spcAft>
-              <a:buClr>
-                <a:schemeClr val="dk1"/>
-              </a:buClr>
-              <a:buSzPts val="2400"/>
-              <a:buFont typeface="Arial"/>
-              <a:buNone/>
-            </a:pPr>
-            <a:r>
-              <a:rPr lang="en-GB" sz="3600" b="0" i="0" u="none" strike="noStrike" cap="none" dirty="0">
-                <a:solidFill>
-                  <a:schemeClr val="lt1"/>
-                </a:solidFill>
-                <a:latin typeface="Calibri"/>
-                <a:ea typeface="Calibri"/>
-                <a:cs typeface="Calibri"/>
-                <a:sym typeface="Calibri"/>
-              </a:rPr>
-              <a:t>Game Objective</a:t>
-            </a:r>
-            <a:endParaRPr dirty="0"/>
           </a:p>
         </p:txBody>
       </p:sp>
